--- a/Trabajos/DISENO WEB.pptx
+++ b/Trabajos/DISENO WEB.pptx
@@ -232,7 +232,7 @@
           <a:p>
             <a:fld id="{966D5B4E-BF3E-3B45-A4BA-D6C3B92870D7}" type="datetimeFigureOut">
               <a:rPr lang="en-US" smtClean="0"/>
-              <a:t>10/5/2019</a:t>
+              <a:t>10/8/2019</a:t>
             </a:fld>
             <a:endParaRPr lang="en-US" dirty="0"/>
           </a:p>
@@ -310,7 +310,7 @@
           <a:p>
             <a:fld id="{465AE8BC-2AB3-9E4C-9797-2A6F8A74C74E}" type="slidenum">
               <a:rPr lang="en-US" smtClean="0"/>
-              <a:t>‹#›</a:t>
+              <a:t>‹Nº›</a:t>
             </a:fld>
             <a:endParaRPr lang="en-US" dirty="0"/>
           </a:p>
@@ -409,7 +409,7 @@
           <a:p>
             <a:fld id="{F5A8621B-8C8E-49BA-8772-41D0FE75A082}" type="datetimeFigureOut">
               <a:rPr lang="en-US" smtClean="0"/>
-              <a:t>10/5/2019</a:t>
+              <a:t>10/8/2019</a:t>
             </a:fld>
             <a:endParaRPr lang="en-US" dirty="0"/>
           </a:p>
@@ -567,7 +567,7 @@
           <a:p>
             <a:fld id="{228B34ED-4CDD-41C9-90F7-D768D5559A6F}" type="slidenum">
               <a:rPr lang="en-US" smtClean="0"/>
-              <a:t>‹#›</a:t>
+              <a:t>‹Nº›</a:t>
             </a:fld>
             <a:endParaRPr lang="en-US" dirty="0"/>
           </a:p>
@@ -744,7 +744,7 @@
           <a:p>
             <a:fld id="{8C2E478F-E849-4A8C-AF1F-CBCC78A7CBFA}" type="slidenum">
               <a:rPr lang="en-US" smtClean="0"/>
-              <a:t>‹#›</a:t>
+              <a:t>‹Nº›</a:t>
             </a:fld>
             <a:endParaRPr lang="en-US" dirty="0"/>
           </a:p>
@@ -1030,7 +1030,7 @@
           <a:p>
             <a:fld id="{8C2E478F-E849-4A8C-AF1F-CBCC78A7CBFA}" type="slidenum">
               <a:rPr lang="en-US" smtClean="0"/>
-              <a:t>‹#›</a:t>
+              <a:t>‹Nº›</a:t>
             </a:fld>
             <a:endParaRPr lang="en-US" dirty="0"/>
           </a:p>
@@ -1802,7 +1802,7 @@
           <a:p>
             <a:fld id="{8C2E478F-E849-4A8C-AF1F-CBCC78A7CBFA}" type="slidenum">
               <a:rPr lang="en-US" smtClean="0"/>
-              <a:t>‹#›</a:t>
+              <a:t>‹Nº›</a:t>
             </a:fld>
             <a:endParaRPr lang="en-US" dirty="0"/>
           </a:p>
@@ -1833,7 +1833,7 @@
           </a:ln>
           <a:extLst>
             <a:ext uri="{C572A759-6A51-4108-AA02-DFA0A04FC94B}">
-              <ma14:wrappingTextBoxFlag xmlns="" xmlns:ma14="http://schemas.microsoft.com/office/mac/drawingml/2011/main" val="1"/>
+              <ma14:wrappingTextBoxFlag xmlns:ma14="http://schemas.microsoft.com/office/mac/drawingml/2011/main" xmlns="" val="1"/>
             </a:ext>
           </a:extLst>
         </p:spPr>
@@ -2126,7 +2126,7 @@
           <a:p>
             <a:fld id="{8C2E478F-E849-4A8C-AF1F-CBCC78A7CBFA}" type="slidenum">
               <a:rPr lang="en-US" smtClean="0"/>
-              <a:t>‹#›</a:t>
+              <a:t>‹Nº›</a:t>
             </a:fld>
             <a:endParaRPr lang="en-US" dirty="0"/>
           </a:p>
@@ -2157,7 +2157,7 @@
           </a:ln>
           <a:extLst>
             <a:ext uri="{C572A759-6A51-4108-AA02-DFA0A04FC94B}">
-              <ma14:wrappingTextBoxFlag xmlns="" xmlns:ma14="http://schemas.microsoft.com/office/mac/drawingml/2011/main" val="1"/>
+              <ma14:wrappingTextBoxFlag xmlns:ma14="http://schemas.microsoft.com/office/mac/drawingml/2011/main" xmlns="" val="1"/>
             </a:ext>
           </a:extLst>
         </p:spPr>
@@ -2580,7 +2580,7 @@
           <a:p>
             <a:fld id="{8C2E478F-E849-4A8C-AF1F-CBCC78A7CBFA}" type="slidenum">
               <a:rPr lang="en-US" smtClean="0"/>
-              <a:t>‹#›</a:t>
+              <a:t>‹Nº›</a:t>
             </a:fld>
             <a:endParaRPr lang="en-US" dirty="0"/>
           </a:p>
@@ -2611,7 +2611,7 @@
           </a:ln>
           <a:extLst>
             <a:ext uri="{C572A759-6A51-4108-AA02-DFA0A04FC94B}">
-              <ma14:wrappingTextBoxFlag xmlns="" xmlns:ma14="http://schemas.microsoft.com/office/mac/drawingml/2011/main" val="1"/>
+              <ma14:wrappingTextBoxFlag xmlns:ma14="http://schemas.microsoft.com/office/mac/drawingml/2011/main" xmlns="" val="1"/>
             </a:ext>
           </a:extLst>
         </p:spPr>
@@ -3004,7 +3004,7 @@
           <a:p>
             <a:fld id="{8C2E478F-E849-4A8C-AF1F-CBCC78A7CBFA}" type="slidenum">
               <a:rPr lang="en-US" smtClean="0"/>
-              <a:t>‹#›</a:t>
+              <a:t>‹Nº›</a:t>
             </a:fld>
             <a:endParaRPr lang="en-US" dirty="0"/>
           </a:p>
@@ -3035,7 +3035,7 @@
           </a:ln>
           <a:extLst>
             <a:ext uri="{C572A759-6A51-4108-AA02-DFA0A04FC94B}">
-              <ma14:wrappingTextBoxFlag xmlns="" xmlns:ma14="http://schemas.microsoft.com/office/mac/drawingml/2011/main" val="1"/>
+              <ma14:wrappingTextBoxFlag xmlns:ma14="http://schemas.microsoft.com/office/mac/drawingml/2011/main" xmlns="" val="1"/>
             </a:ext>
           </a:extLst>
         </p:spPr>
@@ -3305,7 +3305,7 @@
           <a:p>
             <a:fld id="{8C2E478F-E849-4A8C-AF1F-CBCC78A7CBFA}" type="slidenum">
               <a:rPr lang="en-US" smtClean="0"/>
-              <a:t>‹#›</a:t>
+              <a:t>‹Nº›</a:t>
             </a:fld>
             <a:endParaRPr lang="en-US" dirty="0"/>
           </a:p>
@@ -3963,7 +3963,7 @@
           <a:p>
             <a:fld id="{8C2E478F-E849-4A8C-AF1F-CBCC78A7CBFA}" type="slidenum">
               <a:rPr lang="en-US" smtClean="0"/>
-              <a:t>‹#›</a:t>
+              <a:t>‹Nº›</a:t>
             </a:fld>
             <a:endParaRPr lang="en-US" dirty="0"/>
           </a:p>
@@ -4301,7 +4301,7 @@
           <a:p>
             <a:fld id="{8C2E478F-E849-4A8C-AF1F-CBCC78A7CBFA}" type="slidenum">
               <a:rPr lang="en-US" smtClean="0"/>
-              <a:t>‹#›</a:t>
+              <a:t>‹Nº›</a:t>
             </a:fld>
             <a:endParaRPr lang="en-US" dirty="0"/>
           </a:p>
@@ -5095,7 +5095,7 @@
           <a:p>
             <a:fld id="{8C2E478F-E849-4A8C-AF1F-CBCC78A7CBFA}" type="slidenum">
               <a:rPr lang="en-US" smtClean="0"/>
-              <a:t>‹#›</a:t>
+              <a:t>‹Nº›</a:t>
             </a:fld>
             <a:endParaRPr lang="en-US" dirty="0"/>
           </a:p>
@@ -5569,7 +5569,7 @@
             <a:fld id="{8C2E478F-E849-4A8C-AF1F-CBCC78A7CBFA}" type="slidenum">
               <a:rPr lang="en-US" smtClean="0"/>
               <a:pPr/>
-              <a:t>‹#›</a:t>
+              <a:t>‹Nº›</a:t>
             </a:fld>
             <a:endParaRPr lang="en-US" dirty="0"/>
           </a:p>
@@ -5600,7 +5600,7 @@
           </a:ln>
           <a:extLst>
             <a:ext uri="{C572A759-6A51-4108-AA02-DFA0A04FC94B}">
-              <ma14:wrappingTextBoxFlag xmlns="" xmlns:ma14="http://schemas.microsoft.com/office/mac/drawingml/2011/main" val="1"/>
+              <ma14:wrappingTextBoxFlag xmlns:ma14="http://schemas.microsoft.com/office/mac/drawingml/2011/main" xmlns="" val="1"/>
             </a:ext>
           </a:extLst>
         </p:spPr>
@@ -6038,7 +6038,7 @@
           <a:p>
             <a:fld id="{8C2E478F-E849-4A8C-AF1F-CBCC78A7CBFA}" type="slidenum">
               <a:rPr lang="en-US" smtClean="0"/>
-              <a:t>‹#›</a:t>
+              <a:t>‹Nº›</a:t>
             </a:fld>
             <a:endParaRPr lang="en-US" dirty="0"/>
           </a:p>
@@ -6734,7 +6734,7 @@
           <a:p>
             <a:fld id="{8C2E478F-E849-4A8C-AF1F-CBCC78A7CBFA}" type="slidenum">
               <a:rPr lang="en-US" smtClean="0"/>
-              <a:t>‹#›</a:t>
+              <a:t>‹Nº›</a:t>
             </a:fld>
             <a:endParaRPr lang="en-US" dirty="0"/>
           </a:p>
@@ -7006,7 +7006,7 @@
           <a:p>
             <a:fld id="{8C2E478F-E849-4A8C-AF1F-CBCC78A7CBFA}" type="slidenum">
               <a:rPr lang="en-US" smtClean="0"/>
-              <a:t>‹#›</a:t>
+              <a:t>‹Nº›</a:t>
             </a:fld>
             <a:endParaRPr lang="en-US" dirty="0"/>
           </a:p>
@@ -7037,7 +7037,7 @@
           </a:ln>
           <a:extLst>
             <a:ext uri="{C572A759-6A51-4108-AA02-DFA0A04FC94B}">
-              <ma14:wrappingTextBoxFlag xmlns="" xmlns:ma14="http://schemas.microsoft.com/office/mac/drawingml/2011/main" val="1"/>
+              <ma14:wrappingTextBoxFlag xmlns:ma14="http://schemas.microsoft.com/office/mac/drawingml/2011/main" xmlns="" val="1"/>
             </a:ext>
           </a:extLst>
         </p:spPr>
@@ -10082,7 +10082,7 @@
             </a:r>
             <a:r>
               <a:rPr lang="en-US" b="1" dirty="0" err="1"/>
-              <a:t>proporción</a:t>
+              <a:t>proporsión</a:t>
             </a:r>
             <a:r>
               <a:rPr lang="en-US" b="1" dirty="0"/>
@@ -10491,12 +10491,9 @@
             </a:pPr>
             <a:r>
               <a:rPr lang="en-US" b="1" u="sng" dirty="0"/>
-              <a:t>UI</a:t>
-            </a:r>
-            <a:r>
-              <a:rPr lang="en-US" b="1" dirty="0"/>
-              <a:t> </a:t>
-            </a:r>
+              <a:t>UX</a:t>
+            </a:r>
+            <a:endParaRPr lang="en-US" b="1" dirty="0"/>
           </a:p>
           <a:p>
             <a:pPr marL="0" indent="0" algn="ctr">
@@ -11772,23 +11769,6 @@
 </file>
 
 <file path=customXml/item1.xml><?xml version="1.0" encoding="utf-8"?>
-<p:properties xmlns:p="http://schemas.microsoft.com/office/2006/metadata/properties" xmlns:xsi="http://www.w3.org/2001/XMLSchema-instance" xmlns:pc="http://schemas.microsoft.com/office/infopath/2007/PartnerControls">
-  <documentManagement>
-    <MediaServiceKeyPoints xmlns="71af3243-3dd4-4a8d-8c0d-dd76da1f02a5" xsi:nil="true"/>
-  </documentManagement>
-</p:properties>
-</file>
-
-<file path=customXml/item2.xml><?xml version="1.0" encoding="utf-8"?>
-<?mso-contentType ?>
-<FormTemplates xmlns="http://schemas.microsoft.com/sharepoint/v3/contenttype/forms">
-  <Display>DocumentLibraryForm</Display>
-  <Edit>DocumentLibraryForm</Edit>
-  <New>DocumentLibraryForm</New>
-</FormTemplates>
-</file>
-
-<file path=customXml/item3.xml><?xml version="1.0" encoding="utf-8"?>
 <ct:contentTypeSchema xmlns:ct="http://schemas.microsoft.com/office/2006/metadata/contentType" xmlns:ma="http://schemas.microsoft.com/office/2006/metadata/properties/metaAttributes" ct:_="" ma:_="" ma:contentTypeName="Document" ma:contentTypeID="0x01010079F111ED35F8CC479449609E8A0923A6" ma:contentTypeVersion="11" ma:contentTypeDescription="Create a new document." ma:contentTypeScope="" ma:versionID="96291512c1ee715ab617f4c07df79fc1">
   <xsd:schema xmlns:xsd="http://www.w3.org/2001/XMLSchema" xmlns:xs="http://www.w3.org/2001/XMLSchema" xmlns:p="http://schemas.microsoft.com/office/2006/metadata/properties" xmlns:ns2="71af3243-3dd4-4a8d-8c0d-dd76da1f02a5" xmlns:ns3="16c05727-aa75-4e4a-9b5f-8a80a1165891" targetNamespace="http://schemas.microsoft.com/office/2006/metadata/properties" ma:root="true" ma:fieldsID="8256c27c40ca5c40ce1cf6c44f0205df" ns2:_="" ns3:_="">
     <xsd:import namespace="71af3243-3dd4-4a8d-8c0d-dd76da1f02a5"/>
@@ -11999,25 +11979,24 @@
 </ct:contentTypeSchema>
 </file>
 
-<file path=customXml/itemProps1.xml><?xml version="1.0" encoding="utf-8"?>
-<ds:datastoreItem xmlns:ds="http://schemas.openxmlformats.org/officeDocument/2006/customXml" ds:itemID="{22E71848-B78E-4D58-BFA5-D2D5918911CD}">
-  <ds:schemaRefs>
-    <ds:schemaRef ds:uri="http://schemas.microsoft.com/office/2006/metadata/properties"/>
-    <ds:schemaRef ds:uri="http://schemas.microsoft.com/office/infopath/2007/PartnerControls"/>
-    <ds:schemaRef ds:uri="71af3243-3dd4-4a8d-8c0d-dd76da1f02a5"/>
-  </ds:schemaRefs>
-</ds:datastoreItem>
+<file path=customXml/item2.xml><?xml version="1.0" encoding="utf-8"?>
+<?mso-contentType ?>
+<FormTemplates xmlns="http://schemas.microsoft.com/sharepoint/v3/contenttype/forms">
+  <Display>DocumentLibraryForm</Display>
+  <Edit>DocumentLibraryForm</Edit>
+  <New>DocumentLibraryForm</New>
+</FormTemplates>
 </file>
 
-<file path=customXml/itemProps2.xml><?xml version="1.0" encoding="utf-8"?>
-<ds:datastoreItem xmlns:ds="http://schemas.openxmlformats.org/officeDocument/2006/customXml" ds:itemID="{89B3E157-1CAC-4231-A2EC-E93952D57E42}">
-  <ds:schemaRefs>
-    <ds:schemaRef ds:uri="http://schemas.microsoft.com/sharepoint/v3/contenttype/forms"/>
-  </ds:schemaRefs>
-</ds:datastoreItem>
+<file path=customXml/item3.xml><?xml version="1.0" encoding="utf-8"?>
+<p:properties xmlns:p="http://schemas.microsoft.com/office/2006/metadata/properties" xmlns:xsi="http://www.w3.org/2001/XMLSchema-instance" xmlns:pc="http://schemas.microsoft.com/office/infopath/2007/PartnerControls">
+  <documentManagement>
+    <MediaServiceKeyPoints xmlns="71af3243-3dd4-4a8d-8c0d-dd76da1f02a5" xsi:nil="true"/>
+  </documentManagement>
+</p:properties>
 </file>
 
-<file path=customXml/itemProps3.xml><?xml version="1.0" encoding="utf-8"?>
+<file path=customXml/itemProps1.xml><?xml version="1.0" encoding="utf-8"?>
 <ds:datastoreItem xmlns:ds="http://schemas.openxmlformats.org/officeDocument/2006/customXml" ds:itemID="{80B16AC2-D7DD-48B6-919A-4ADE887D756B}">
   <ds:schemaRefs>
     <ds:schemaRef ds:uri="http://schemas.microsoft.com/office/2006/metadata/contentType"/>
@@ -12034,4 +12013,29 @@
     <ds:schemaRef ds:uri="http://schemas.microsoft.com/internal/obd"/>
   </ds:schemaRefs>
 </ds:datastoreItem>
+</file>
+
+<file path=customXml/itemProps2.xml><?xml version="1.0" encoding="utf-8"?>
+<ds:datastoreItem xmlns:ds="http://schemas.openxmlformats.org/officeDocument/2006/customXml" ds:itemID="{89B3E157-1CAC-4231-A2EC-E93952D57E42}">
+  <ds:schemaRefs>
+    <ds:schemaRef ds:uri="http://schemas.microsoft.com/sharepoint/v3/contenttype/forms"/>
+  </ds:schemaRefs>
+</ds:datastoreItem>
+</file>
+
+<file path=customXml/itemProps3.xml><?xml version="1.0" encoding="utf-8"?>
+<ds:datastoreItem xmlns:ds="http://schemas.openxmlformats.org/officeDocument/2006/customXml" ds:itemID="{22E71848-B78E-4D58-BFA5-D2D5918911CD}">
+  <ds:schemaRefs>
+    <ds:schemaRef ds:uri="http://purl.org/dc/elements/1.1/"/>
+    <ds:schemaRef ds:uri="http://schemas.microsoft.com/office/2006/documentManagement/types"/>
+    <ds:schemaRef ds:uri="http://schemas.openxmlformats.org/package/2006/metadata/core-properties"/>
+    <ds:schemaRef ds:uri="http://schemas.microsoft.com/office/2006/metadata/properties"/>
+    <ds:schemaRef ds:uri="http://www.w3.org/XML/1998/namespace"/>
+    <ds:schemaRef ds:uri="71af3243-3dd4-4a8d-8c0d-dd76da1f02a5"/>
+    <ds:schemaRef ds:uri="http://schemas.microsoft.com/office/infopath/2007/PartnerControls"/>
+    <ds:schemaRef ds:uri="16c05727-aa75-4e4a-9b5f-8a80a1165891"/>
+    <ds:schemaRef ds:uri="http://purl.org/dc/dcmitype/"/>
+    <ds:schemaRef ds:uri="http://purl.org/dc/terms/"/>
+  </ds:schemaRefs>
+</ds:datastoreItem>
 </file>